--- a/Slides.pptx
+++ b/Slides.pptx
@@ -6,7 +6,7 @@
     <p:sldMasterId id="2147483661" r:id="rId2"/>
   </p:sldMasterIdLst>
   <p:notesMasterIdLst>
-    <p:notesMasterId r:id="rId33"/>
+    <p:notesMasterId r:id="rId32"/>
   </p:notesMasterIdLst>
   <p:sldIdLst>
     <p:sldId id="256" r:id="rId3"/>
@@ -38,7 +38,6 @@
     <p:sldId id="282" r:id="rId29"/>
     <p:sldId id="283" r:id="rId30"/>
     <p:sldId id="284" r:id="rId31"/>
-    <p:sldId id="285" r:id="rId32"/>
   </p:sldIdLst>
   <p:sldSz cx="12192000" cy="6858000"/>
   <p:notesSz cx="6858000" cy="9144000"/>
@@ -137,6 +136,11 @@
       </a:defRPr>
     </a:lvl9pPr>
   </p:defaultTextStyle>
+  <p:extLst>
+    <p:ext uri="{EFAFB233-063F-42B5-8137-9DF3F51BA10A}">
+      <p15:sldGuideLst xmlns:p15="http://schemas.microsoft.com/office/powerpoint/2012/main"/>
+    </p:ext>
+  </p:extLst>
 </p:presentation>
 </file>
 
@@ -6144,10 +6148,177 @@
               <a:buChar char="•"/>
             </a:pPr>
             <a:r>
+              <a:rPr lang="en-US" sz="2000" strike="noStrike" dirty="0" smtClean="0">
+                <a:latin typeface="Arial"/>
+              </a:rPr>
+              <a:t>Se</a:t>
+            </a:r>
+            <a:r>
+              <a:rPr lang="en-US" sz="2000" strike="noStrike" baseline="0" dirty="0" smtClean="0">
+                <a:latin typeface="Arial"/>
+              </a:rPr>
+              <a:t> </a:t>
+            </a:r>
+            <a:r>
+              <a:rPr lang="en-US" sz="2000" strike="noStrike" baseline="0" dirty="0" err="1" smtClean="0">
+                <a:latin typeface="Arial"/>
+              </a:rPr>
+              <a:t>elemInstance</a:t>
+            </a:r>
+            <a:r>
+              <a:rPr lang="en-US" sz="2000" strike="noStrike" baseline="0" dirty="0" smtClean="0">
+                <a:latin typeface="Arial"/>
+              </a:rPr>
+              <a:t> for string, </a:t>
+            </a:r>
+            <a:r>
+              <a:rPr lang="en-US" sz="2000" strike="noStrike" baseline="0" dirty="0" err="1" smtClean="0">
+                <a:latin typeface="Arial"/>
+              </a:rPr>
+              <a:t>ko</a:t>
+            </a:r>
+            <a:r>
+              <a:rPr lang="en-US" sz="2000" strike="noStrike" baseline="0" dirty="0" smtClean="0">
+                <a:latin typeface="Arial"/>
+              </a:rPr>
+              <a:t> </a:t>
+            </a:r>
+            <a:r>
+              <a:rPr lang="en-US" sz="2000" strike="noStrike" baseline="0" dirty="0" err="1" smtClean="0">
+                <a:latin typeface="Arial"/>
+              </a:rPr>
+              <a:t>procura</a:t>
+            </a:r>
+            <a:r>
+              <a:rPr lang="en-US" sz="2000" strike="noStrike" baseline="0" dirty="0" smtClean="0">
+                <a:latin typeface="Arial"/>
+              </a:rPr>
+              <a:t> um </a:t>
+            </a:r>
+            <a:r>
+              <a:rPr lang="en-US" sz="2000" strike="noStrike" baseline="0" dirty="0" err="1" smtClean="0">
+                <a:latin typeface="Arial"/>
+              </a:rPr>
+              <a:t>elemento</a:t>
+            </a:r>
+            <a:r>
+              <a:rPr lang="en-US" sz="2000" strike="noStrike" baseline="0" dirty="0" smtClean="0">
+                <a:latin typeface="Arial"/>
+              </a:rPr>
+              <a:t> </a:t>
+            </a:r>
+            <a:r>
+              <a:rPr lang="en-US" sz="2000" strike="noStrike" baseline="0" dirty="0" err="1" smtClean="0">
+                <a:latin typeface="Arial"/>
+              </a:rPr>
+              <a:t>cujo</a:t>
+            </a:r>
+            <a:r>
+              <a:rPr lang="en-US" sz="2000" strike="noStrike" baseline="0" dirty="0" smtClean="0">
+                <a:latin typeface="Arial"/>
+              </a:rPr>
+              <a:t> ID é </a:t>
+            </a:r>
+            <a:r>
+              <a:rPr lang="en-US" sz="2000" strike="noStrike" baseline="0" dirty="0" err="1" smtClean="0">
+                <a:latin typeface="Arial"/>
+              </a:rPr>
+              <a:t>igual</a:t>
+            </a:r>
+            <a:r>
+              <a:rPr lang="en-US" sz="2000" strike="noStrike" baseline="0" dirty="0" smtClean="0">
+                <a:latin typeface="Arial"/>
+              </a:rPr>
+              <a:t> </a:t>
+            </a:r>
+            <a:r>
+              <a:rPr lang="en-US" sz="2000" strike="noStrike" baseline="0" dirty="0" err="1" smtClean="0">
+                <a:latin typeface="Arial"/>
+              </a:rPr>
+              <a:t>essa</a:t>
+            </a:r>
+            <a:r>
+              <a:rPr lang="en-US" sz="2000" strike="noStrike" baseline="0" dirty="0" smtClean="0">
+                <a:latin typeface="Arial"/>
+              </a:rPr>
+              <a:t> string</a:t>
+            </a:r>
+          </a:p>
+          <a:p>
+            <a:pPr marL="342900" indent="-342900">
+              <a:lnSpc>
+                <a:spcPct val="100000"/>
+              </a:lnSpc>
+              <a:buSzPct val="45000"/>
+              <a:buFont typeface="Arial" panose="020B0604020202020204" pitchFamily="34" charset="0"/>
+              <a:buChar char="•"/>
+            </a:pPr>
+            <a:r>
+              <a:rPr lang="en-US" sz="2000" strike="noStrike" baseline="0" dirty="0" err="1" smtClean="0">
+                <a:latin typeface="Arial"/>
+              </a:rPr>
+              <a:t>Ainda</a:t>
+            </a:r>
+            <a:r>
+              <a:rPr lang="en-US" sz="2000" strike="noStrike" baseline="0" dirty="0" smtClean="0">
+                <a:latin typeface="Arial"/>
+              </a:rPr>
+              <a:t> </a:t>
+            </a:r>
+            <a:r>
+              <a:rPr lang="en-US" sz="2000" strike="noStrike" baseline="0" dirty="0" err="1" smtClean="0">
+                <a:latin typeface="Arial"/>
+              </a:rPr>
+              <a:t>recebe</a:t>
+            </a:r>
+            <a:r>
+              <a:rPr lang="en-US" sz="2000" strike="noStrike" baseline="0" dirty="0" smtClean="0">
+                <a:latin typeface="Arial"/>
+              </a:rPr>
+              <a:t> um array de nodes </a:t>
+            </a:r>
+            <a:r>
+              <a:rPr lang="en-US" sz="2000" strike="noStrike" baseline="0" dirty="0" err="1" smtClean="0">
+                <a:latin typeface="Arial"/>
+              </a:rPr>
+              <a:t>ou</a:t>
+            </a:r>
+            <a:r>
+              <a:rPr lang="en-US" sz="2000" strike="noStrike" baseline="0" dirty="0" smtClean="0">
+                <a:latin typeface="Arial"/>
+              </a:rPr>
+              <a:t> um </a:t>
+            </a:r>
+            <a:r>
+              <a:rPr lang="en-US" sz="2000" strike="noStrike" baseline="0" dirty="0" err="1" smtClean="0">
+                <a:latin typeface="Arial"/>
+              </a:rPr>
+              <a:t>documentfragment</a:t>
+            </a:r>
+            <a:endParaRPr lang="en-US" sz="2000" strike="noStrike" dirty="0" smtClean="0">
+              <a:latin typeface="Arial"/>
+            </a:endParaRPr>
+          </a:p>
+          <a:p>
+            <a:pPr marL="342900" indent="-342900">
+              <a:lnSpc>
+                <a:spcPct val="100000"/>
+              </a:lnSpc>
+              <a:buSzPct val="45000"/>
+              <a:buFont typeface="Arial" panose="020B0604020202020204" pitchFamily="34" charset="0"/>
+              <a:buChar char="•"/>
+            </a:pPr>
+            <a:r>
+              <a:rPr lang="en-US" sz="2000" strike="noStrike" dirty="0" smtClean="0">
+                <a:latin typeface="Arial"/>
+              </a:rPr>
+              <a:t>Custom </a:t>
+            </a:r>
+            <a:r>
               <a:rPr lang="en-US" sz="2000" strike="noStrike" dirty="0">
                 <a:latin typeface="Arial"/>
               </a:rPr>
-              <a:t>Custom Elements, Component Binding, Comment Syntax</a:t>
+              <a:t>Elements, Component Binding, Comment Syntax</a:t>
             </a:r>
             <a:endParaRPr dirty="0"/>
           </a:p>
@@ -7712,117 +7883,6 @@
     <p:extLst>
       <p:ext uri="{BB962C8B-B14F-4D97-AF65-F5344CB8AC3E}">
         <p14:creationId xmlns:p14="http://schemas.microsoft.com/office/powerpoint/2010/main" val="35910706"/>
-      </p:ext>
-    </p:extLst>
-  </p:cSld>
-  <p:clrMapOvr>
-    <a:masterClrMapping/>
-  </p:clrMapOvr>
-</p:notes>
-</file>
-
-<file path=ppt/notesSlides/notesSlide30.xml><?xml version="1.0" encoding="utf-8"?>
-<p:notes xmlns:a="http://schemas.openxmlformats.org/drawingml/2006/main" xmlns:r="http://schemas.openxmlformats.org/officeDocument/2006/relationships" xmlns:p="http://schemas.openxmlformats.org/presentationml/2006/main">
-  <p:cSld>
-    <p:spTree>
-      <p:nvGrpSpPr>
-        <p:cNvPr id="1" name=""/>
-        <p:cNvGrpSpPr/>
-        <p:nvPr/>
-      </p:nvGrpSpPr>
-      <p:grpSpPr>
-        <a:xfrm>
-          <a:off x="0" y="0"/>
-          <a:ext cx="0" cy="0"/>
-          <a:chOff x="0" y="0"/>
-          <a:chExt cx="0" cy="0"/>
-        </a:xfrm>
-      </p:grpSpPr>
-      <p:sp>
-        <p:nvSpPr>
-          <p:cNvPr id="293" name="PlaceHolder 1"/>
-          <p:cNvSpPr>
-            <a:spLocks noGrp="1"/>
-          </p:cNvSpPr>
-          <p:nvPr>
-            <p:ph type="body"/>
-          </p:nvPr>
-        </p:nvSpPr>
-        <p:spPr>
-          <a:xfrm>
-            <a:off x="685800" y="4400640"/>
-            <a:ext cx="5483880" cy="3597840"/>
-          </a:xfrm>
-          <a:prstGeom prst="rect">
-            <a:avLst/>
-          </a:prstGeom>
-        </p:spPr>
-        <p:txBody>
-          <a:bodyPr lIns="0" tIns="0" rIns="0" bIns="0"/>
-          <a:lstStyle/>
-          <a:p>
-            <a:endParaRPr/>
-          </a:p>
-        </p:txBody>
-      </p:sp>
-      <p:sp>
-        <p:nvSpPr>
-          <p:cNvPr id="294" name="CustomShape 2"/>
-          <p:cNvSpPr/>
-          <p:nvPr/>
-        </p:nvSpPr>
-        <p:spPr>
-          <a:xfrm>
-            <a:off x="3884760" y="8685360"/>
-            <a:ext cx="2969280" cy="456120"/>
-          </a:xfrm>
-          <a:prstGeom prst="rect">
-            <a:avLst/>
-          </a:prstGeom>
-          <a:noFill/>
-          <a:ln>
-            <a:noFill/>
-          </a:ln>
-        </p:spPr>
-        <p:style>
-          <a:lnRef idx="0">
-            <a:scrgbClr r="0" g="0" b="0"/>
-          </a:lnRef>
-          <a:fillRef idx="0">
-            <a:scrgbClr r="0" g="0" b="0"/>
-          </a:fillRef>
-          <a:effectRef idx="0">
-            <a:scrgbClr r="0" g="0" b="0"/>
-          </a:effectRef>
-          <a:fontRef idx="minor"/>
-        </p:style>
-        <p:txBody>
-          <a:bodyPr lIns="90000" tIns="45000" rIns="90000" bIns="45000" anchor="b"/>
-          <a:lstStyle/>
-          <a:p>
-            <a:pPr algn="r">
-              <a:lnSpc>
-                <a:spcPct val="100000"/>
-              </a:lnSpc>
-            </a:pPr>
-            <a:fld id="{D43FC361-4EAE-4DC5-B934-7E7B89A05E10}" type="slidenum">
-              <a:rPr lang="en-US" sz="1200" strike="noStrike">
-                <a:solidFill>
-                  <a:srgbClr val="000000"/>
-                </a:solidFill>
-                <a:latin typeface="+mn-lt"/>
-                <a:ea typeface="+mn-ea"/>
-              </a:rPr>
-              <a:t>30</a:t>
-            </a:fld>
-            <a:endParaRPr/>
-          </a:p>
-        </p:txBody>
-      </p:sp>
-    </p:spTree>
-    <p:extLst>
-      <p:ext uri="{BB962C8B-B14F-4D97-AF65-F5344CB8AC3E}">
-        <p14:creationId xmlns:p14="http://schemas.microsoft.com/office/powerpoint/2010/main" val="1708489834"/>
       </p:ext>
     </p:extLst>
   </p:cSld>
@@ -14859,112 +14919,6 @@
           </a:p>
         </p:txBody>
       </p:sp>
-      <p:sp>
-        <p:nvSpPr>
-          <p:cNvPr id="152" name="CustomShape 6"/>
-          <p:cNvSpPr/>
-          <p:nvPr/>
-        </p:nvSpPr>
-        <p:spPr>
-          <a:xfrm>
-            <a:off x="548280" y="3821760"/>
-            <a:ext cx="10773360" cy="575640"/>
-          </a:xfrm>
-          <a:prstGeom prst="rect">
-            <a:avLst/>
-          </a:prstGeom>
-          <a:noFill/>
-          <a:ln>
-            <a:noFill/>
-          </a:ln>
-        </p:spPr>
-        <p:style>
-          <a:lnRef idx="0">
-            <a:scrgbClr r="0" g="0" b="0"/>
-          </a:lnRef>
-          <a:fillRef idx="0">
-            <a:scrgbClr r="0" g="0" b="0"/>
-          </a:fillRef>
-          <a:effectRef idx="0">
-            <a:scrgbClr r="0" g="0" b="0"/>
-          </a:effectRef>
-          <a:fontRef idx="minor"/>
-        </p:style>
-        <p:txBody>
-          <a:bodyPr lIns="90000" tIns="45000" rIns="90000" bIns="45000"/>
-          <a:lstStyle/>
-          <a:p>
-            <a:pPr>
-              <a:lnSpc>
-                <a:spcPct val="100000"/>
-              </a:lnSpc>
-              <a:buFont typeface="Arial"/>
-              <a:buChar char="•"/>
-            </a:pPr>
-            <a:r>
-              <a:rPr lang="en-US" sz="3200" strike="noStrike" dirty="0" smtClean="0">
-                <a:solidFill>
-                  <a:srgbClr val="000000"/>
-                </a:solidFill>
-                <a:latin typeface="Calibri"/>
-                <a:ea typeface="DejaVu Sans"/>
-              </a:rPr>
-              <a:t> </a:t>
-            </a:r>
-            <a:r>
-              <a:rPr lang="en-US" sz="3200" strike="noStrike" dirty="0" err="1" smtClean="0">
-                <a:solidFill>
-                  <a:srgbClr val="000000"/>
-                </a:solidFill>
-                <a:latin typeface="Calibri"/>
-                <a:ea typeface="DejaVu Sans"/>
-              </a:rPr>
-              <a:t>ko.pureComputed</a:t>
-            </a:r>
-            <a:r>
-              <a:rPr lang="en-US" sz="3200" strike="noStrike" dirty="0" smtClean="0">
-                <a:solidFill>
-                  <a:srgbClr val="000000"/>
-                </a:solidFill>
-                <a:latin typeface="Calibri"/>
-                <a:ea typeface="DejaVu Sans"/>
-              </a:rPr>
-              <a:t>(function</a:t>
-            </a:r>
-            <a:r>
-              <a:rPr lang="en-US" sz="3200" strike="noStrike" dirty="0">
-                <a:solidFill>
-                  <a:srgbClr val="000000"/>
-                </a:solidFill>
-                <a:latin typeface="Calibri"/>
-                <a:ea typeface="DejaVu Sans"/>
-              </a:rPr>
-              <a:t>, [this]) -&gt; </a:t>
-            </a:r>
-            <a:r>
-              <a:rPr lang="en-US" sz="3200" strike="noStrike" dirty="0" err="1">
-                <a:solidFill>
-                  <a:srgbClr val="000000"/>
-                </a:solidFill>
-                <a:latin typeface="Calibri"/>
-                <a:ea typeface="DejaVu Sans"/>
-              </a:rPr>
-              <a:t>cria</a:t>
-            </a:r>
-            <a:r>
-              <a:rPr lang="en-US" sz="3200" strike="noStrike" dirty="0">
-                <a:solidFill>
-                  <a:srgbClr val="000000"/>
-                </a:solidFill>
-                <a:latin typeface="Calibri"/>
-                <a:ea typeface="DejaVu Sans"/>
-              </a:rPr>
-              <a:t> um pure computed observable</a:t>
-            </a:r>
-            <a:endParaRPr dirty="0"/>
-          </a:p>
-        </p:txBody>
-      </p:sp>
     </p:spTree>
   </p:cSld>
   <p:clrMapOvr>
@@ -15068,51 +15022,6 @@
                       </p:childTnLst>
                     </p:cTn>
                   </p:par>
-                  <p:par>
-                    <p:cTn id="11" fill="hold">
-                      <p:stCondLst>
-                        <p:cond delay="indefinite"/>
-                      </p:stCondLst>
-                      <p:childTnLst>
-                        <p:par>
-                          <p:cTn id="12" fill="hold">
-                            <p:stCondLst>
-                              <p:cond delay="0"/>
-                            </p:stCondLst>
-                            <p:childTnLst>
-                              <p:par>
-                                <p:cTn id="13" presetID="1" presetClass="entr" presetSubtype="0" fill="hold" grpId="0" nodeType="clickEffect">
-                                  <p:stCondLst>
-                                    <p:cond delay="0"/>
-                                  </p:stCondLst>
-                                  <p:childTnLst>
-                                    <p:set>
-                                      <p:cBhvr>
-                                        <p:cTn id="14" dur="1" fill="hold">
-                                          <p:stCondLst>
-                                            <p:cond delay="0"/>
-                                          </p:stCondLst>
-                                        </p:cTn>
-                                        <p:tgtEl>
-                                          <p:spTgt spid="152"/>
-                                        </p:tgtEl>
-                                        <p:attrNameLst>
-                                          <p:attrName>style.visibility</p:attrName>
-                                        </p:attrNameLst>
-                                      </p:cBhvr>
-                                      <p:to>
-                                        <p:strVal val="visible"/>
-                                      </p:to>
-                                    </p:set>
-                                  </p:childTnLst>
-                                </p:cTn>
-                              </p:par>
-                            </p:childTnLst>
-                          </p:cTn>
-                        </p:par>
-                      </p:childTnLst>
-                    </p:cTn>
-                  </p:par>
                 </p:childTnLst>
               </p:cTn>
               <p:prevCondLst>
@@ -15137,7 +15046,6 @@
     <p:bldLst>
       <p:bldP spid="150" grpId="0"/>
       <p:bldP spid="151" grpId="0"/>
-      <p:bldP spid="152" grpId="0"/>
     </p:bldLst>
   </p:timing>
 </p:sld>
@@ -23703,501 +23611,6 @@
       <p:bldP spid="90" grpId="0"/>
       <p:bldP spid="91" grpId="0"/>
     </p:bldLst>
-  </p:timing>
-</p:sld>
-</file>
-
-<file path=ppt/slides/slide30.xml><?xml version="1.0" encoding="utf-8"?>
-<p:sld xmlns:a="http://schemas.openxmlformats.org/drawingml/2006/main" xmlns:r="http://schemas.openxmlformats.org/officeDocument/2006/relationships" xmlns:p="http://schemas.openxmlformats.org/presentationml/2006/main">
-  <p:cSld>
-    <p:spTree>
-      <p:nvGrpSpPr>
-        <p:cNvPr id="1" name=""/>
-        <p:cNvGrpSpPr/>
-        <p:nvPr/>
-      </p:nvGrpSpPr>
-      <p:grpSpPr>
-        <a:xfrm>
-          <a:off x="0" y="0"/>
-          <a:ext cx="0" cy="0"/>
-          <a:chOff x="0" y="0"/>
-          <a:chExt cx="0" cy="0"/>
-        </a:xfrm>
-      </p:grpSpPr>
-      <p:sp>
-        <p:nvSpPr>
-          <p:cNvPr id="226" name="CustomShape 1"/>
-          <p:cNvSpPr/>
-          <p:nvPr/>
-        </p:nvSpPr>
-        <p:spPr>
-          <a:xfrm>
-            <a:off x="769680" y="5306040"/>
-            <a:ext cx="10783800" cy="1550520"/>
-          </a:xfrm>
-          <a:prstGeom prst="rect">
-            <a:avLst/>
-          </a:prstGeom>
-          <a:noFill/>
-          <a:ln>
-            <a:noFill/>
-          </a:ln>
-        </p:spPr>
-        <p:style>
-          <a:lnRef idx="0">
-            <a:scrgbClr r="0" g="0" b="0"/>
-          </a:lnRef>
-          <a:fillRef idx="0">
-            <a:scrgbClr r="0" g="0" b="0"/>
-          </a:fillRef>
-          <a:effectRef idx="0">
-            <a:scrgbClr r="0" g="0" b="0"/>
-          </a:effectRef>
-          <a:fontRef idx="minor"/>
-        </p:style>
-        <p:txBody>
-          <a:bodyPr lIns="90000" tIns="45000" rIns="90000" bIns="45000"/>
-          <a:lstStyle/>
-          <a:p>
-            <a:pPr algn="ctr">
-              <a:lnSpc>
-                <a:spcPct val="100000"/>
-              </a:lnSpc>
-            </a:pPr>
-            <a:r>
-              <a:rPr lang="en-US" sz="4800" u="sng" strike="noStrike" dirty="0">
-                <a:solidFill>
-                  <a:srgbClr val="0563C1"/>
-                </a:solidFill>
-                <a:latin typeface="Calibri"/>
-                <a:ea typeface="DejaVu Sans"/>
-              </a:rPr>
-              <a:t>http://</a:t>
-            </a:r>
-            <a:r>
-              <a:rPr lang="en-US" sz="4800" u="sng" strike="noStrike" dirty="0">
-                <a:solidFill>
-                  <a:srgbClr val="0000FF"/>
-                </a:solidFill>
-                <a:latin typeface="Calibri"/>
-                <a:ea typeface="DejaVu Sans"/>
-              </a:rPr>
-              <a:t>goo.gl/forms/hSs61zgkGT</a:t>
-            </a:r>
-            <a:endParaRPr dirty="0"/>
-          </a:p>
-        </p:txBody>
-      </p:sp>
-      <p:sp>
-        <p:nvSpPr>
-          <p:cNvPr id="227" name="CustomShape 2"/>
-          <p:cNvSpPr/>
-          <p:nvPr/>
-        </p:nvSpPr>
-        <p:spPr>
-          <a:xfrm>
-            <a:off x="4680" y="190080"/>
-            <a:ext cx="8930520" cy="771120"/>
-          </a:xfrm>
-          <a:prstGeom prst="rect">
-            <a:avLst/>
-          </a:prstGeom>
-          <a:solidFill>
-            <a:srgbClr val="2A3342"/>
-          </a:solidFill>
-          <a:ln>
-            <a:noFill/>
-          </a:ln>
-        </p:spPr>
-        <p:style>
-          <a:lnRef idx="2">
-            <a:schemeClr val="accent1">
-              <a:shade val="50000"/>
-            </a:schemeClr>
-          </a:lnRef>
-          <a:fillRef idx="1">
-            <a:schemeClr val="accent1"/>
-          </a:fillRef>
-          <a:effectRef idx="0">
-            <a:schemeClr val="accent1"/>
-          </a:effectRef>
-          <a:fontRef idx="minor"/>
-        </p:style>
-      </p:sp>
-      <p:sp>
-        <p:nvSpPr>
-          <p:cNvPr id="228" name="CustomShape 3"/>
-          <p:cNvSpPr/>
-          <p:nvPr/>
-        </p:nvSpPr>
-        <p:spPr>
-          <a:xfrm>
-            <a:off x="215640" y="311040"/>
-            <a:ext cx="8930520" cy="594720"/>
-          </a:xfrm>
-          <a:prstGeom prst="rect">
-            <a:avLst/>
-          </a:prstGeom>
-          <a:noFill/>
-          <a:ln>
-            <a:noFill/>
-          </a:ln>
-        </p:spPr>
-        <p:style>
-          <a:lnRef idx="0">
-            <a:scrgbClr r="0" g="0" b="0"/>
-          </a:lnRef>
-          <a:fillRef idx="0">
-            <a:scrgbClr r="0" g="0" b="0"/>
-          </a:fillRef>
-          <a:effectRef idx="0">
-            <a:scrgbClr r="0" g="0" b="0"/>
-          </a:effectRef>
-          <a:fontRef idx="minor"/>
-        </p:style>
-        <p:txBody>
-          <a:bodyPr lIns="90000" tIns="45000" rIns="90000" bIns="45000" anchor="b"/>
-          <a:lstStyle/>
-          <a:p>
-            <a:pPr>
-              <a:lnSpc>
-                <a:spcPct val="100000"/>
-              </a:lnSpc>
-            </a:pPr>
-            <a:r>
-              <a:rPr lang="en-US" sz="4000" b="1" strike="noStrike">
-                <a:solidFill>
-                  <a:srgbClr val="E6A015"/>
-                </a:solidFill>
-                <a:latin typeface="Calibri Light"/>
-                <a:ea typeface="DejaVu Sans"/>
-              </a:rPr>
-              <a:t>JavaScript </a:t>
-            </a:r>
-            <a:r>
-              <a:rPr lang="en-US" sz="4000" b="1" strike="noStrike">
-                <a:solidFill>
-                  <a:srgbClr val="FFFFFF"/>
-                </a:solidFill>
-                <a:latin typeface="Calibri Light"/>
-                <a:ea typeface="DejaVu Sans"/>
-              </a:rPr>
-              <a:t>A-Z </a:t>
-            </a:r>
-            <a:r>
-              <a:rPr lang="en-US" sz="4000" strike="noStrike">
-                <a:solidFill>
-                  <a:srgbClr val="FFFFFF"/>
-                </a:solidFill>
-                <a:latin typeface="Calibri Light"/>
-                <a:ea typeface="DejaVu Sans"/>
-              </a:rPr>
-              <a:t>| Sintaxe</a:t>
-            </a:r>
-            <a:endParaRPr/>
-          </a:p>
-        </p:txBody>
-      </p:sp>
-      <p:sp>
-        <p:nvSpPr>
-          <p:cNvPr id="229" name="CustomShape 4"/>
-          <p:cNvSpPr/>
-          <p:nvPr/>
-        </p:nvSpPr>
-        <p:spPr>
-          <a:xfrm>
-            <a:off x="6840" y="190440"/>
-            <a:ext cx="8930520" cy="771120"/>
-          </a:xfrm>
-          <a:prstGeom prst="rect">
-            <a:avLst/>
-          </a:prstGeom>
-          <a:solidFill>
-            <a:srgbClr val="2A3342"/>
-          </a:solidFill>
-          <a:ln>
-            <a:noFill/>
-          </a:ln>
-        </p:spPr>
-        <p:style>
-          <a:lnRef idx="2">
-            <a:schemeClr val="accent1">
-              <a:shade val="50000"/>
-            </a:schemeClr>
-          </a:lnRef>
-          <a:fillRef idx="1">
-            <a:schemeClr val="accent1"/>
-          </a:fillRef>
-          <a:effectRef idx="0">
-            <a:schemeClr val="accent1"/>
-          </a:effectRef>
-          <a:fontRef idx="minor"/>
-        </p:style>
-      </p:sp>
-      <p:sp>
-        <p:nvSpPr>
-          <p:cNvPr id="230" name="CustomShape 5"/>
-          <p:cNvSpPr/>
-          <p:nvPr/>
-        </p:nvSpPr>
-        <p:spPr>
-          <a:xfrm>
-            <a:off x="217800" y="311400"/>
-            <a:ext cx="8930520" cy="594720"/>
-          </a:xfrm>
-          <a:prstGeom prst="rect">
-            <a:avLst/>
-          </a:prstGeom>
-          <a:noFill/>
-          <a:ln>
-            <a:noFill/>
-          </a:ln>
-        </p:spPr>
-        <p:style>
-          <a:lnRef idx="0">
-            <a:scrgbClr r="0" g="0" b="0"/>
-          </a:lnRef>
-          <a:fillRef idx="0">
-            <a:scrgbClr r="0" g="0" b="0"/>
-          </a:fillRef>
-          <a:effectRef idx="0">
-            <a:scrgbClr r="0" g="0" b="0"/>
-          </a:effectRef>
-          <a:fontRef idx="minor"/>
-        </p:style>
-        <p:txBody>
-          <a:bodyPr lIns="90000" tIns="45000" rIns="90000" bIns="45000" anchor="b"/>
-          <a:lstStyle/>
-          <a:p>
-            <a:pPr>
-              <a:lnSpc>
-                <a:spcPct val="100000"/>
-              </a:lnSpc>
-            </a:pPr>
-            <a:r>
-              <a:rPr lang="en-US" sz="4000" b="1" strike="noStrike">
-                <a:solidFill>
-                  <a:srgbClr val="E6A015"/>
-                </a:solidFill>
-                <a:latin typeface="Calibri Light"/>
-                <a:ea typeface="DejaVu Sans"/>
-              </a:rPr>
-              <a:t>JavaScript </a:t>
-            </a:r>
-            <a:r>
-              <a:rPr lang="en-US" sz="4000" b="1" strike="noStrike">
-                <a:solidFill>
-                  <a:srgbClr val="FFFFFF"/>
-                </a:solidFill>
-                <a:latin typeface="Calibri Light"/>
-                <a:ea typeface="DejaVu Sans"/>
-              </a:rPr>
-              <a:t>A-Z </a:t>
-            </a:r>
-            <a:r>
-              <a:rPr lang="en-US" sz="4000" strike="noStrike">
-                <a:solidFill>
-                  <a:srgbClr val="FFFFFF"/>
-                </a:solidFill>
-                <a:latin typeface="Calibri Light"/>
-                <a:ea typeface="DejaVu Sans"/>
-              </a:rPr>
-              <a:t>| ...</a:t>
-            </a:r>
-            <a:endParaRPr/>
-          </a:p>
-        </p:txBody>
-      </p:sp>
-      <p:sp>
-        <p:nvSpPr>
-          <p:cNvPr id="231" name="CustomShape 6"/>
-          <p:cNvSpPr/>
-          <p:nvPr/>
-        </p:nvSpPr>
-        <p:spPr>
-          <a:xfrm>
-            <a:off x="0" y="189360"/>
-            <a:ext cx="6160680" cy="771120"/>
-          </a:xfrm>
-          <a:prstGeom prst="rect">
-            <a:avLst/>
-          </a:prstGeom>
-          <a:solidFill>
-            <a:srgbClr val="1C3A85"/>
-          </a:solidFill>
-          <a:ln>
-            <a:noFill/>
-          </a:ln>
-        </p:spPr>
-        <p:style>
-          <a:lnRef idx="2">
-            <a:schemeClr val="accent1">
-              <a:shade val="50000"/>
-            </a:schemeClr>
-          </a:lnRef>
-          <a:fillRef idx="1">
-            <a:schemeClr val="accent1"/>
-          </a:fillRef>
-          <a:effectRef idx="0">
-            <a:schemeClr val="accent1"/>
-          </a:effectRef>
-          <a:fontRef idx="minor"/>
-        </p:style>
-      </p:sp>
-      <p:sp>
-        <p:nvSpPr>
-          <p:cNvPr id="232" name="CustomShape 7"/>
-          <p:cNvSpPr/>
-          <p:nvPr/>
-        </p:nvSpPr>
-        <p:spPr>
-          <a:xfrm>
-            <a:off x="3313080" y="189360"/>
-            <a:ext cx="6560280" cy="771120"/>
-          </a:xfrm>
-          <a:prstGeom prst="rect">
-            <a:avLst/>
-          </a:prstGeom>
-          <a:solidFill>
-            <a:srgbClr val="0081BF"/>
-          </a:solidFill>
-          <a:ln>
-            <a:noFill/>
-          </a:ln>
-        </p:spPr>
-        <p:style>
-          <a:lnRef idx="2">
-            <a:schemeClr val="accent1">
-              <a:shade val="50000"/>
-            </a:schemeClr>
-          </a:lnRef>
-          <a:fillRef idx="1">
-            <a:schemeClr val="accent1"/>
-          </a:fillRef>
-          <a:effectRef idx="0">
-            <a:schemeClr val="accent1"/>
-          </a:effectRef>
-          <a:fontRef idx="minor"/>
-        </p:style>
-      </p:sp>
-      <p:sp>
-        <p:nvSpPr>
-          <p:cNvPr id="233" name="CustomShape 8"/>
-          <p:cNvSpPr/>
-          <p:nvPr/>
-        </p:nvSpPr>
-        <p:spPr>
-          <a:xfrm>
-            <a:off x="210960" y="316440"/>
-            <a:ext cx="11308320" cy="594720"/>
-          </a:xfrm>
-          <a:prstGeom prst="rect">
-            <a:avLst/>
-          </a:prstGeom>
-          <a:noFill/>
-          <a:ln>
-            <a:noFill/>
-          </a:ln>
-        </p:spPr>
-        <p:style>
-          <a:lnRef idx="0">
-            <a:scrgbClr r="0" g="0" b="0"/>
-          </a:lnRef>
-          <a:fillRef idx="0">
-            <a:scrgbClr r="0" g="0" b="0"/>
-          </a:fillRef>
-          <a:effectRef idx="0">
-            <a:scrgbClr r="0" g="0" b="0"/>
-          </a:effectRef>
-          <a:fontRef idx="minor"/>
-        </p:style>
-        <p:txBody>
-          <a:bodyPr lIns="90000" tIns="45000" rIns="90000" bIns="45000" anchor="b"/>
-          <a:lstStyle/>
-          <a:p>
-            <a:pPr>
-              <a:lnSpc>
-                <a:spcPct val="100000"/>
-              </a:lnSpc>
-            </a:pPr>
-            <a:r>
-              <a:rPr lang="en-US" sz="4000" b="1" strike="noStrike">
-                <a:solidFill>
-                  <a:srgbClr val="FFFFFF"/>
-                </a:solidFill>
-                <a:latin typeface="Calibri Light"/>
-                <a:ea typeface="DejaVu Sans"/>
-              </a:rPr>
-              <a:t>JavaScript A-Z    </a:t>
-            </a:r>
-            <a:r>
-              <a:rPr lang="en-US" sz="4000" i="1" strike="noStrike">
-                <a:solidFill>
-                  <a:srgbClr val="FFFFFF"/>
-                </a:solidFill>
-                <a:latin typeface="Calibri Light"/>
-                <a:ea typeface="DejaVu Sans"/>
-              </a:rPr>
-              <a:t>Feedback</a:t>
-            </a:r>
-            <a:endParaRPr/>
-          </a:p>
-        </p:txBody>
-      </p:sp>
-      <p:pic>
-        <p:nvPicPr>
-          <p:cNvPr id="234" name="Imagem 1"/>
-          <p:cNvPicPr/>
-          <p:nvPr/>
-        </p:nvPicPr>
-        <p:blipFill>
-          <a:blip r:embed="rId3"/>
-          <a:stretch/>
-        </p:blipFill>
-        <p:spPr>
-          <a:xfrm>
-            <a:off x="3984840" y="1131840"/>
-            <a:ext cx="4353120" cy="4353120"/>
-          </a:xfrm>
-          <a:prstGeom prst="rect">
-            <a:avLst/>
-          </a:prstGeom>
-          <a:ln>
-            <a:noFill/>
-          </a:ln>
-        </p:spPr>
-      </p:pic>
-    </p:spTree>
-  </p:cSld>
-  <p:clrMapOvr>
-    <a:masterClrMapping/>
-  </p:clrMapOvr>
-  <p:timing>
-    <p:tnLst>
-      <p:par>
-        <p:cTn id="1" dur="indefinite" restart="never" nodeType="tmRoot">
-          <p:childTnLst>
-            <p:seq>
-              <p:cTn id="2" nodeType="mainSeq"/>
-              <p:prevCondLst>
-                <p:cond evt="onPrev" delay="0">
-                  <p:tgtEl>
-                    <p:sldTgt/>
-                  </p:tgtEl>
-                </p:cond>
-              </p:prevCondLst>
-              <p:nextCondLst>
-                <p:cond evt="onNext" delay="0">
-                  <p:tgtEl>
-                    <p:sldTgt/>
-                  </p:tgtEl>
-                </p:cond>
-              </p:nextCondLst>
-            </p:seq>
-          </p:childTnLst>
-        </p:cTn>
-      </p:par>
-    </p:tnLst>
   </p:timing>
 </p:sld>
 </file>
